--- a/doc/PowerBI_COSMO_temalab.pptx
+++ b/doc/PowerBI_COSMO_temalab.pptx
@@ -291,7 +291,7 @@
       <p15:sldGuideLst xmlns:p15="http://schemas.microsoft.com/office/powerpoint/2012/main"/>
     </p:ext>
     <p:ext uri="http://customooxmlschemas.google.com/">
-      <go:slidesCustomData xmlns:go="http://customooxmlschemas.google.com/" xmlns:ahyp="http://schemas.microsoft.com/office/drawing/2018/hyperlinkcolor" xmlns:p15="http://schemas.microsoft.com/office/powerpoint/2012/main" xmlns:p14="http://schemas.microsoft.com/office/powerpoint/2010/main" xmlns:com="http://schemas.openxmlformats.org/drawingml/2006/compatibility" xmlns:pvml="urn:schemas-microsoft-com:office:powerpoint" xmlns:v="urn:schemas-microsoft-com:vml" xmlns:o="urn:schemas-microsoft-com:office:office" xmlns:dgm="http://schemas.openxmlformats.org/drawingml/2006/diagram" xmlns:c="http://schemas.openxmlformats.org/drawingml/2006/chart" xmlns:mv="urn:schemas-microsoft-com:mac:vml" xmlns:mc="http://schemas.openxmlformats.org/markup-compatibility/2006" xmlns="" r:id="rId51" roundtripDataSignature="AMtx7mj57w0yNTIkLgVvHhTjO/5yA7CTSw=="/>
+      <go:slidesCustomData xmlns="" xmlns:mc="http://schemas.openxmlformats.org/markup-compatibility/2006" xmlns:mv="urn:schemas-microsoft-com:mac:vml" xmlns:c="http://schemas.openxmlformats.org/drawingml/2006/chart" xmlns:dgm="http://schemas.openxmlformats.org/drawingml/2006/diagram" xmlns:o="urn:schemas-microsoft-com:office:office" xmlns:v="urn:schemas-microsoft-com:vml" xmlns:pvml="urn:schemas-microsoft-com:office:powerpoint" xmlns:com="http://schemas.openxmlformats.org/drawingml/2006/compatibility" xmlns:p14="http://schemas.microsoft.com/office/powerpoint/2010/main" xmlns:p15="http://schemas.microsoft.com/office/powerpoint/2012/main" xmlns:ahyp="http://schemas.microsoft.com/office/drawing/2018/hyperlinkcolor" xmlns:go="http://customooxmlschemas.google.com/" r:id="rId51" roundtripDataSignature="AMtx7mj57w0yNTIkLgVvHhTjO/5yA7CTSw=="/>
     </p:ext>
   </p:extLst>
 </p:presentation>
@@ -5530,6 +5530,9 @@
   <p:clrMapOvr>
     <a:masterClrMapping/>
   </p:clrMapOvr>
+  <p:transition spd="slow">
+    <p:cover dir="u"/>
+  </p:transition>
 </p:sldLayout>
 </file>
 
@@ -6309,6 +6312,9 @@
   <p:clrMapOvr>
     <a:masterClrMapping/>
   </p:clrMapOvr>
+  <p:transition spd="slow">
+    <p:cover dir="u"/>
+  </p:transition>
 </p:sldLayout>
 </file>
 
@@ -7338,6 +7344,9 @@
   <p:clrMapOvr>
     <a:masterClrMapping/>
   </p:clrMapOvr>
+  <p:transition spd="slow">
+    <p:cover dir="u"/>
+  </p:transition>
 </p:sldLayout>
 </file>
 
@@ -8117,6 +8126,9 @@
   <p:clrMapOvr>
     <a:masterClrMapping/>
   </p:clrMapOvr>
+  <p:transition spd="slow">
+    <p:cover dir="u"/>
+  </p:transition>
 </p:sldLayout>
 </file>
 
@@ -9138,6 +9150,9 @@
   <p:clrMapOvr>
     <a:masterClrMapping/>
   </p:clrMapOvr>
+  <p:transition spd="slow">
+    <p:cover dir="u"/>
+  </p:transition>
 </p:sldLayout>
 </file>
 
@@ -10059,6 +10074,9 @@
   <p:clrMapOvr>
     <a:masterClrMapping/>
   </p:clrMapOvr>
+  <p:transition spd="slow">
+    <p:cover dir="u"/>
+  </p:transition>
 </p:sldLayout>
 </file>
 
@@ -10801,6 +10819,9 @@
   <p:clrMapOvr>
     <a:masterClrMapping/>
   </p:clrMapOvr>
+  <p:transition spd="slow">
+    <p:cover dir="u"/>
+  </p:transition>
 </p:sldLayout>
 </file>
 
@@ -11543,6 +11564,9 @@
   <p:clrMapOvr>
     <a:masterClrMapping/>
   </p:clrMapOvr>
+  <p:transition spd="slow">
+    <p:cover dir="u"/>
+  </p:transition>
 </p:sldLayout>
 </file>
 
@@ -12286,6 +12310,9 @@
   <p:clrMapOvr>
     <a:masterClrMapping/>
   </p:clrMapOvr>
+  <p:transition spd="slow">
+    <p:cover dir="u"/>
+  </p:transition>
 </p:sldLayout>
 </file>
 
@@ -13508,6 +13535,9 @@
   <p:clrMapOvr>
     <a:masterClrMapping/>
   </p:clrMapOvr>
+  <p:transition spd="slow">
+    <p:cover dir="u"/>
+  </p:transition>
 </p:sldLayout>
 </file>
 
@@ -14287,6 +14317,9 @@
   <p:clrMapOvr>
     <a:masterClrMapping/>
   </p:clrMapOvr>
+  <p:transition spd="slow">
+    <p:cover dir="u"/>
+  </p:transition>
 </p:sldLayout>
 </file>
 
@@ -15162,6 +15195,9 @@
   <p:clrMapOvr>
     <a:masterClrMapping/>
   </p:clrMapOvr>
+  <p:transition spd="slow">
+    <p:cover dir="u"/>
+  </p:transition>
 </p:sldLayout>
 </file>
 
@@ -16304,6 +16340,9 @@
   <p:clrMapOvr>
     <a:masterClrMapping/>
   </p:clrMapOvr>
+  <p:transition spd="slow">
+    <p:cover dir="u"/>
+  </p:transition>
 </p:sldLayout>
 </file>
 
@@ -16913,6 +16952,9 @@
   <p:clrMapOvr>
     <a:masterClrMapping/>
   </p:clrMapOvr>
+  <p:transition spd="slow">
+    <p:cover dir="u"/>
+  </p:transition>
 </p:sldLayout>
 </file>
 
@@ -17789,6 +17831,9 @@
   <p:clrMapOvr>
     <a:masterClrMapping/>
   </p:clrMapOvr>
+  <p:transition spd="slow">
+    <p:cover dir="u"/>
+  </p:transition>
 </p:sldLayout>
 </file>
 
@@ -18556,6 +18601,9 @@
   <p:clrMapOvr>
     <a:masterClrMapping/>
   </p:clrMapOvr>
+  <p:transition spd="slow">
+    <p:cover dir="u"/>
+  </p:transition>
 </p:sldLayout>
 </file>
 
@@ -20126,6 +20174,9 @@
     <p:sldLayoutId id="2147483663" r:id="rId15"/>
     <p:sldLayoutId id="2147483664" r:id="rId16"/>
   </p:sldLayoutIdLst>
+  <p:transition spd="slow">
+    <p:cover dir="u"/>
+  </p:transition>
   <p:hf sldNum="0" hdr="0" ftr="0" dt="0"/>
   <p:txStyles>
     <p:titleStyle>
@@ -21300,6 +21351,9 @@
   <p:clrMapOvr>
     <a:masterClrMapping/>
   </p:clrMapOvr>
+  <p:transition spd="slow">
+    <p:cover dir="u"/>
+  </p:transition>
 </p:sld>
 </file>
 
@@ -22064,6 +22118,9 @@
   <p:clrMapOvr>
     <a:masterClrMapping/>
   </p:clrMapOvr>
+  <p:transition spd="slow">
+    <p:cover dir="u"/>
+  </p:transition>
 </p:sld>
 </file>
 
@@ -22450,6 +22507,9 @@
   <p:clrMapOvr>
     <a:masterClrMapping/>
   </p:clrMapOvr>
+  <p:transition spd="slow">
+    <p:cover dir="u"/>
+  </p:transition>
 </p:sld>
 </file>
 
@@ -22503,6 +22563,9 @@
   <p:clrMapOvr>
     <a:masterClrMapping/>
   </p:clrMapOvr>
+  <p:transition spd="slow">
+    <p:cover dir="u"/>
+  </p:transition>
 </p:sld>
 </file>
 
@@ -23048,6 +23111,9 @@
   <p:clrMapOvr>
     <a:masterClrMapping/>
   </p:clrMapOvr>
+  <p:transition spd="slow">
+    <p:cover dir="u"/>
+  </p:transition>
 </p:sld>
 </file>
 
@@ -23101,6 +23167,9 @@
   <p:clrMapOvr>
     <a:masterClrMapping/>
   </p:clrMapOvr>
+  <p:transition spd="slow">
+    <p:cover dir="u"/>
+  </p:transition>
 </p:sld>
 </file>
 
@@ -23298,6 +23367,9 @@
   <p:clrMapOvr>
     <a:masterClrMapping/>
   </p:clrMapOvr>
+  <p:transition spd="slow">
+    <p:cover dir="u"/>
+  </p:transition>
 </p:sld>
 </file>
 
@@ -23370,6 +23442,9 @@
   <p:clrMapOvr>
     <a:masterClrMapping/>
   </p:clrMapOvr>
+  <p:transition spd="slow">
+    <p:cover dir="u"/>
+  </p:transition>
 </p:sld>
 </file>
 
@@ -23848,6 +23923,9 @@
   <p:clrMapOvr>
     <a:masterClrMapping/>
   </p:clrMapOvr>
+  <p:transition spd="slow">
+    <p:cover dir="u"/>
+  </p:transition>
 </p:sld>
 </file>
 
@@ -23920,6 +23998,9 @@
   <p:clrMapOvr>
     <a:masterClrMapping/>
   </p:clrMapOvr>
+  <p:transition spd="slow">
+    <p:cover dir="u"/>
+  </p:transition>
 </p:sld>
 </file>
 
@@ -23973,6 +24054,9 @@
   <p:clrMapOvr>
     <a:masterClrMapping/>
   </p:clrMapOvr>
+  <p:transition spd="slow">
+    <p:cover dir="u"/>
+  </p:transition>
 </p:sld>
 </file>
 
@@ -24374,6 +24458,9 @@
   <p:clrMapOvr>
     <a:masterClrMapping/>
   </p:clrMapOvr>
+  <p:transition spd="slow">
+    <p:cover dir="u"/>
+  </p:transition>
 </p:sld>
 </file>
 
@@ -24492,6 +24579,9 @@
   <p:clrMapOvr>
     <a:masterClrMapping/>
   </p:clrMapOvr>
+  <p:transition spd="slow">
+    <p:cover dir="u"/>
+  </p:transition>
 </p:sld>
 </file>
 
@@ -26993,6 +27083,9 @@
   <p:clrMapOvr>
     <a:masterClrMapping/>
   </p:clrMapOvr>
+  <p:transition spd="slow">
+    <p:cover dir="u"/>
+  </p:transition>
 </p:sld>
 </file>
 
@@ -27250,6 +27343,9 @@
   <p:clrMapOvr>
     <a:masterClrMapping/>
   </p:clrMapOvr>
+  <p:transition spd="slow">
+    <p:cover dir="u"/>
+  </p:transition>
 </p:sld>
 </file>
 
@@ -27342,6 +27438,9 @@
   <p:clrMapOvr>
     <a:masterClrMapping/>
   </p:clrMapOvr>
+  <p:transition spd="slow">
+    <p:cover dir="u"/>
+  </p:transition>
 </p:sld>
 </file>
 
@@ -27409,6 +27508,9 @@
   <p:clrMapOvr>
     <a:masterClrMapping/>
   </p:clrMapOvr>
+  <p:transition spd="slow">
+    <p:cover dir="u"/>
+  </p:transition>
 </p:sld>
 </file>
 
@@ -27649,6 +27751,9 @@
   <p:clrMapOvr>
     <a:masterClrMapping/>
   </p:clrMapOvr>
+  <p:transition spd="slow">
+    <p:cover dir="u"/>
+  </p:transition>
 </p:sld>
 </file>
 
@@ -28089,6 +28194,9 @@
   <p:clrMapOvr>
     <a:masterClrMapping/>
   </p:clrMapOvr>
+  <p:transition spd="slow">
+    <p:cover dir="u"/>
+  </p:transition>
 </p:sld>
 </file>
 
@@ -28522,6 +28630,9 @@
   <p:clrMapOvr>
     <a:masterClrMapping/>
   </p:clrMapOvr>
+  <p:transition spd="slow">
+    <p:cover dir="u"/>
+  </p:transition>
 </p:sld>
 </file>
 
@@ -28878,6 +28989,9 @@
   <p:clrMapOvr>
     <a:masterClrMapping/>
   </p:clrMapOvr>
+  <p:transition spd="slow">
+    <p:cover dir="u"/>
+  </p:transition>
 </p:sld>
 </file>
 
@@ -29213,6 +29327,9 @@
   <p:clrMapOvr>
     <a:masterClrMapping/>
   </p:clrMapOvr>
+  <p:transition spd="slow">
+    <p:cover dir="u"/>
+  </p:transition>
 </p:sld>
 </file>
 
@@ -29280,6 +29397,9 @@
   <p:clrMapOvr>
     <a:masterClrMapping/>
   </p:clrMapOvr>
+  <p:transition spd="slow">
+    <p:cover dir="u"/>
+  </p:transition>
 </p:sld>
 </file>
 

--- a/doc/PowerBI_COSMO_temalab.pptx
+++ b/doc/PowerBI_COSMO_temalab.pptx
@@ -24212,13 +24212,22 @@
               <a:buChar char="Ø"/>
             </a:pPr>
             <a:r>
+              <a:rPr lang="hu-HU" dirty="0" err="1">
+                <a:solidFill>
+                  <a:schemeClr val="tx1"/>
+                </a:solidFill>
+                <a:latin typeface="Trebuchet MS" panose="020B0603020202020204" pitchFamily="34" charset="0"/>
+              </a:rPr>
+              <a:t>Power</a:t>
+            </a:r>
+            <a:r>
               <a:rPr lang="hu-HU" dirty="0">
                 <a:solidFill>
                   <a:schemeClr val="tx1"/>
                 </a:solidFill>
                 <a:latin typeface="Trebuchet MS" panose="020B0603020202020204" pitchFamily="34" charset="0"/>
               </a:rPr>
-              <a:t>Alapismeretek</a:t>
+              <a:t> BI és ML alapismeretek</a:t>
             </a:r>
             <a:endParaRPr dirty="0">
               <a:solidFill>
@@ -24246,7 +24255,7 @@
                 </a:solidFill>
                 <a:latin typeface="Trebuchet MS" panose="020B0603020202020204" pitchFamily="34" charset="0"/>
               </a:rPr>
-              <a:t>Követelmények és technológiák</a:t>
+              <a:t>Előfeltételek</a:t>
             </a:r>
             <a:endParaRPr dirty="0">
               <a:solidFill>
@@ -24609,14 +24618,14 @@
           <p:nvPr>
             <p:extLst>
               <p:ext uri="{D42A27DB-BD31-4B8C-83A1-F6EECF244321}">
-                <p14:modId xmlns:p14="http://schemas.microsoft.com/office/powerpoint/2010/main" val="2787863327"/>
+                <p14:modId xmlns:p14="http://schemas.microsoft.com/office/powerpoint/2010/main" val="896144490"/>
               </p:ext>
             </p:extLst>
           </p:nvPr>
         </p:nvGraphicFramePr>
         <p:xfrm>
-          <a:off x="662730" y="642831"/>
-          <a:ext cx="8445056" cy="5106990"/>
+          <a:off x="644623" y="842007"/>
+          <a:ext cx="8445056" cy="4884275"/>
         </p:xfrm>
         <a:graphic>
           <a:graphicData uri="http://schemas.openxmlformats.org/drawingml/2006/table">
@@ -25769,10 +25778,16 @@
                         <a:buNone/>
                       </a:pPr>
                       <a:r>
+                        <a:rPr lang="hu-HU" sz="1800" b="0" dirty="0" err="1">
+                          <a:latin typeface="Trebuchet MS" panose="020B0603020202020204" pitchFamily="34" charset="0"/>
+                        </a:rPr>
+                        <a:t>Predikció</a:t>
+                      </a:r>
+                      <a:r>
                         <a:rPr lang="hu-HU" sz="1800" b="0" dirty="0">
                           <a:latin typeface="Trebuchet MS" panose="020B0603020202020204" pitchFamily="34" charset="0"/>
                         </a:rPr>
-                        <a:t>Training adatsor frissíthetősége</a:t>
+                        <a:t> frissíthetősége</a:t>
                       </a:r>
                       <a:endParaRPr sz="1800" b="0" u="none" strike="noStrike" cap="none" dirty="0">
                         <a:latin typeface="Trebuchet MS" panose="020B0603020202020204" pitchFamily="34" charset="0"/>
@@ -25852,6 +25867,17 @@
                         <a:buNone/>
                       </a:pPr>
                       <a:r>
+                        <a:rPr lang="hu-HU" sz="1800" b="0" i="0" u="none" strike="noStrike" cap="none" dirty="0" err="1">
+                          <a:solidFill>
+                            <a:srgbClr val="2F853F"/>
+                          </a:solidFill>
+                          <a:latin typeface="Trebuchet MS" panose="020B0603020202020204" pitchFamily="34" charset="0"/>
+                          <a:cs typeface="Arial"/>
+                          <a:sym typeface="Arial"/>
+                        </a:rPr>
+                        <a:t>Predikció</a:t>
+                      </a:r>
+                      <a:r>
                         <a:rPr lang="hu-HU" sz="1800" b="0" i="0" u="none" strike="noStrike" cap="none" dirty="0">
                           <a:solidFill>
                             <a:srgbClr val="2F853F"/>
@@ -25860,7 +25886,7 @@
                           <a:cs typeface="Arial"/>
                           <a:sym typeface="Arial"/>
                         </a:rPr>
-                        <a:t>Modell frissül</a:t>
+                        <a:t> frissül</a:t>
                       </a:r>
                     </a:p>
                   </a:txBody>
@@ -25937,6 +25963,17 @@
                         <a:buNone/>
                       </a:pPr>
                       <a:r>
+                        <a:rPr lang="hu-HU" sz="1800" b="0" i="0" u="none" strike="noStrike" cap="none" dirty="0" err="1">
+                          <a:solidFill>
+                            <a:srgbClr val="2F853F"/>
+                          </a:solidFill>
+                          <a:latin typeface="Trebuchet MS" panose="020B0603020202020204" pitchFamily="34" charset="0"/>
+                          <a:cs typeface="Arial"/>
+                          <a:sym typeface="Arial"/>
+                        </a:rPr>
+                        <a:t>Predikció</a:t>
+                      </a:r>
+                      <a:r>
                         <a:rPr lang="hu-HU" sz="1800" b="0" i="0" u="none" strike="noStrike" cap="none" dirty="0">
                           <a:solidFill>
                             <a:srgbClr val="2F853F"/>
@@ -25945,7 +25982,7 @@
                           <a:cs typeface="Arial"/>
                           <a:sym typeface="Arial"/>
                         </a:rPr>
-                        <a:t>Modell frissül</a:t>
+                        <a:t> frissül</a:t>
                       </a:r>
                       <a:endParaRPr sz="1800" b="0" i="0" u="none" strike="noStrike" cap="none" dirty="0">
                         <a:solidFill>
@@ -27151,7 +27188,7 @@
             </a:pPr>
             <a:r>
               <a:rPr lang="hu-HU" dirty="0"/>
-              <a:t>Hasznos linkek</a:t>
+              <a:t>Felhasznált dokumentáció</a:t>
             </a:r>
             <a:endParaRPr dirty="0"/>
           </a:p>
@@ -27199,141 +27236,13 @@
               <a:buNone/>
             </a:pPr>
             <a:r>
-              <a:rPr lang="hu-HU" sz="1300" u="sng" dirty="0">
-                <a:solidFill>
-                  <a:schemeClr val="hlink"/>
-                </a:solidFill>
-                <a:hlinkClick r:id="rId3"/>
+              <a:rPr lang="hu-HU" sz="2000" b="0" i="0" u="none" strike="noStrike" dirty="0">
+                <a:effectLst/>
+                <a:latin typeface="Whitney"/>
+                <a:hlinkClick r:id="rId3" tooltip="https://cosmo-temalabor-doc.netlify.app/"/>
               </a:rPr>
-              <a:t>https://docs.microsoft.com/en-us/power-bi/</a:t>
+              <a:t>https://cosmo-temalabor-doc.netlify.app/</a:t>
             </a:r>
-            <a:endParaRPr sz="1300" dirty="0"/>
-          </a:p>
-          <a:p>
-            <a:pPr marL="0" lvl="0" indent="0" algn="l" rtl="0">
-              <a:spcBef>
-                <a:spcPts val="1000"/>
-              </a:spcBef>
-              <a:spcAft>
-                <a:spcPts val="0"/>
-              </a:spcAft>
-              <a:buSzPts val="1440"/>
-              <a:buNone/>
-            </a:pPr>
-            <a:r>
-              <a:rPr lang="hu-HU" sz="1300" u="sng" dirty="0">
-                <a:solidFill>
-                  <a:schemeClr val="hlink"/>
-                </a:solidFill>
-                <a:hlinkClick r:id="rId4"/>
-              </a:rPr>
-              <a:t>https://docs.microsoft.com/en-us/power-query/</a:t>
-            </a:r>
-            <a:endParaRPr sz="1300" dirty="0"/>
-          </a:p>
-          <a:p>
-            <a:pPr marL="0" lvl="0" indent="0" algn="l" rtl="0">
-              <a:spcBef>
-                <a:spcPts val="1000"/>
-              </a:spcBef>
-              <a:spcAft>
-                <a:spcPts val="0"/>
-              </a:spcAft>
-              <a:buSzPts val="1440"/>
-              <a:buNone/>
-            </a:pPr>
-            <a:r>
-              <a:rPr lang="hu-HU" sz="1300" u="sng" dirty="0">
-                <a:solidFill>
-                  <a:schemeClr val="hlink"/>
-                </a:solidFill>
-                <a:hlinkClick r:id="rId5"/>
-              </a:rPr>
-              <a:t>https://www.ibm.com/cloud/learn/machine-learning</a:t>
-            </a:r>
-            <a:endParaRPr sz="1300" dirty="0"/>
-          </a:p>
-          <a:p>
-            <a:pPr marL="0" lvl="0" indent="0" algn="l" rtl="0">
-              <a:spcBef>
-                <a:spcPts val="1000"/>
-              </a:spcBef>
-              <a:spcAft>
-                <a:spcPts val="0"/>
-              </a:spcAft>
-              <a:buSzPts val="1440"/>
-              <a:buNone/>
-            </a:pPr>
-            <a:r>
-              <a:rPr lang="hu-HU" sz="1300" u="sng" dirty="0">
-                <a:solidFill>
-                  <a:schemeClr val="hlink"/>
-                </a:solidFill>
-                <a:hlinkClick r:id="rId6"/>
-              </a:rPr>
-              <a:t>https://stat.ethz.ch/R-manual/</a:t>
-            </a:r>
-            <a:endParaRPr sz="1300" dirty="0"/>
-          </a:p>
-          <a:p>
-            <a:pPr marL="0" lvl="0" indent="0" algn="l" rtl="0">
-              <a:spcBef>
-                <a:spcPts val="1000"/>
-              </a:spcBef>
-              <a:spcAft>
-                <a:spcPts val="0"/>
-              </a:spcAft>
-              <a:buSzPts val="1440"/>
-              <a:buNone/>
-            </a:pPr>
-            <a:r>
-              <a:rPr lang="hu-HU" sz="1300" u="sng" dirty="0">
-                <a:solidFill>
-                  <a:schemeClr val="hlink"/>
-                </a:solidFill>
-                <a:hlinkClick r:id="rId7"/>
-              </a:rPr>
-              <a:t>https://docs.microsoft.com/en-us/power-bi/connect-data/service-tutorial-build-machine-learning-model</a:t>
-            </a:r>
-            <a:endParaRPr sz="1300" dirty="0"/>
-          </a:p>
-          <a:p>
-            <a:pPr marL="0" lvl="0" indent="0" algn="l" rtl="0">
-              <a:spcBef>
-                <a:spcPts val="1000"/>
-              </a:spcBef>
-              <a:spcAft>
-                <a:spcPts val="0"/>
-              </a:spcAft>
-              <a:buSzPts val="1440"/>
-              <a:buNone/>
-            </a:pPr>
-            <a:endParaRPr sz="1900" dirty="0"/>
-          </a:p>
-          <a:p>
-            <a:pPr marL="0" lvl="0" indent="0" algn="l" rtl="0">
-              <a:spcBef>
-                <a:spcPts val="1000"/>
-              </a:spcBef>
-              <a:spcAft>
-                <a:spcPts val="0"/>
-              </a:spcAft>
-              <a:buSzPts val="1440"/>
-              <a:buNone/>
-            </a:pPr>
-            <a:endParaRPr sz="1900" dirty="0"/>
-          </a:p>
-          <a:p>
-            <a:pPr marL="0" lvl="0" indent="0" algn="l" rtl="0">
-              <a:spcBef>
-                <a:spcPts val="1000"/>
-              </a:spcBef>
-              <a:spcAft>
-                <a:spcPts val="0"/>
-              </a:spcAft>
-              <a:buSzPts val="1440"/>
-              <a:buNone/>
-            </a:pPr>
             <a:endParaRPr sz="1900" dirty="0"/>
           </a:p>
         </p:txBody>

--- a/doc/PowerBI_COSMO_temalab.pptx
+++ b/doc/PowerBI_COSMO_temalab.pptx
@@ -291,7 +291,7 @@
       <p15:sldGuideLst xmlns:p15="http://schemas.microsoft.com/office/powerpoint/2012/main"/>
     </p:ext>
     <p:ext uri="http://customooxmlschemas.google.com/">
-      <go:slidesCustomData xmlns="" xmlns:mc="http://schemas.openxmlformats.org/markup-compatibility/2006" xmlns:mv="urn:schemas-microsoft-com:mac:vml" xmlns:c="http://schemas.openxmlformats.org/drawingml/2006/chart" xmlns:dgm="http://schemas.openxmlformats.org/drawingml/2006/diagram" xmlns:o="urn:schemas-microsoft-com:office:office" xmlns:v="urn:schemas-microsoft-com:vml" xmlns:pvml="urn:schemas-microsoft-com:office:powerpoint" xmlns:com="http://schemas.openxmlformats.org/drawingml/2006/compatibility" xmlns:p14="http://schemas.microsoft.com/office/powerpoint/2010/main" xmlns:p15="http://schemas.microsoft.com/office/powerpoint/2012/main" xmlns:ahyp="http://schemas.microsoft.com/office/drawing/2018/hyperlinkcolor" xmlns:go="http://customooxmlschemas.google.com/" r:id="rId51" roundtripDataSignature="AMtx7mj57w0yNTIkLgVvHhTjO/5yA7CTSw=="/>
+      <go:slidesCustomData xmlns:go="http://customooxmlschemas.google.com/" xmlns:ahyp="http://schemas.microsoft.com/office/drawing/2018/hyperlinkcolor" xmlns:p15="http://schemas.microsoft.com/office/powerpoint/2012/main" xmlns:p14="http://schemas.microsoft.com/office/powerpoint/2010/main" xmlns:com="http://schemas.openxmlformats.org/drawingml/2006/compatibility" xmlns:pvml="urn:schemas-microsoft-com:office:powerpoint" xmlns:v="urn:schemas-microsoft-com:vml" xmlns:o="urn:schemas-microsoft-com:office:office" xmlns:dgm="http://schemas.openxmlformats.org/drawingml/2006/diagram" xmlns:c="http://schemas.openxmlformats.org/drawingml/2006/chart" xmlns:mv="urn:schemas-microsoft-com:mac:vml" xmlns:mc="http://schemas.openxmlformats.org/markup-compatibility/2006" xmlns="" r:id="rId51" roundtripDataSignature="AMtx7mj57w0yNTIkLgVvHhTjO/5yA7CTSw=="/>
     </p:ext>
   </p:extLst>
 </p:presentation>
@@ -24037,7 +24037,7 @@
         </p:blipFill>
         <p:spPr>
           <a:xfrm>
-            <a:off x="1013531" y="251287"/>
+            <a:off x="1004478" y="251287"/>
             <a:ext cx="9281376" cy="6355425"/>
           </a:xfrm>
           <a:prstGeom prst="rect">
